--- a/Chap/Prog02/Presentations/RepetitionStatements.pptx
+++ b/Chap/Prog02/Presentations/RepetitionStatements.pptx
@@ -294,7 +294,7 @@
           <a:p>
             <a:fld id="{E15B7D8E-2A20-4C0E-991C-872DBB7459A8}" type="datetimeFigureOut">
               <a:rPr lang="da-DK" smtClean="0"/>
-              <a:t>11-08-2022</a:t>
+              <a:t>24-08-2024</a:t>
             </a:fld>
             <a:endParaRPr lang="da-DK"/>
           </a:p>
@@ -462,7 +462,7 @@
           <a:p>
             <a:fld id="{E15B7D8E-2A20-4C0E-991C-872DBB7459A8}" type="datetimeFigureOut">
               <a:rPr lang="da-DK" smtClean="0"/>
-              <a:t>11-08-2022</a:t>
+              <a:t>24-08-2024</a:t>
             </a:fld>
             <a:endParaRPr lang="da-DK"/>
           </a:p>
@@ -640,7 +640,7 @@
           <a:p>
             <a:fld id="{E15B7D8E-2A20-4C0E-991C-872DBB7459A8}" type="datetimeFigureOut">
               <a:rPr lang="da-DK" smtClean="0"/>
-              <a:t>11-08-2022</a:t>
+              <a:t>24-08-2024</a:t>
             </a:fld>
             <a:endParaRPr lang="da-DK"/>
           </a:p>
@@ -808,7 +808,7 @@
           <a:p>
             <a:fld id="{E15B7D8E-2A20-4C0E-991C-872DBB7459A8}" type="datetimeFigureOut">
               <a:rPr lang="da-DK" smtClean="0"/>
-              <a:t>11-08-2022</a:t>
+              <a:t>24-08-2024</a:t>
             </a:fld>
             <a:endParaRPr lang="da-DK"/>
           </a:p>
@@ -1053,7 +1053,7 @@
           <a:p>
             <a:fld id="{E15B7D8E-2A20-4C0E-991C-872DBB7459A8}" type="datetimeFigureOut">
               <a:rPr lang="da-DK" smtClean="0"/>
-              <a:t>11-08-2022</a:t>
+              <a:t>24-08-2024</a:t>
             </a:fld>
             <a:endParaRPr lang="da-DK"/>
           </a:p>
@@ -1282,7 +1282,7 @@
           <a:p>
             <a:fld id="{E15B7D8E-2A20-4C0E-991C-872DBB7459A8}" type="datetimeFigureOut">
               <a:rPr lang="da-DK" smtClean="0"/>
-              <a:t>11-08-2022</a:t>
+              <a:t>24-08-2024</a:t>
             </a:fld>
             <a:endParaRPr lang="da-DK"/>
           </a:p>
@@ -1646,7 +1646,7 @@
           <a:p>
             <a:fld id="{E15B7D8E-2A20-4C0E-991C-872DBB7459A8}" type="datetimeFigureOut">
               <a:rPr lang="da-DK" smtClean="0"/>
-              <a:t>11-08-2022</a:t>
+              <a:t>24-08-2024</a:t>
             </a:fld>
             <a:endParaRPr lang="da-DK"/>
           </a:p>
@@ -1763,7 +1763,7 @@
           <a:p>
             <a:fld id="{E15B7D8E-2A20-4C0E-991C-872DBB7459A8}" type="datetimeFigureOut">
               <a:rPr lang="da-DK" smtClean="0"/>
-              <a:t>11-08-2022</a:t>
+              <a:t>24-08-2024</a:t>
             </a:fld>
             <a:endParaRPr lang="da-DK"/>
           </a:p>
@@ -1858,7 +1858,7 @@
           <a:p>
             <a:fld id="{E15B7D8E-2A20-4C0E-991C-872DBB7459A8}" type="datetimeFigureOut">
               <a:rPr lang="da-DK" smtClean="0"/>
-              <a:t>11-08-2022</a:t>
+              <a:t>24-08-2024</a:t>
             </a:fld>
             <a:endParaRPr lang="da-DK"/>
           </a:p>
@@ -2133,7 +2133,7 @@
           <a:p>
             <a:fld id="{E15B7D8E-2A20-4C0E-991C-872DBB7459A8}" type="datetimeFigureOut">
               <a:rPr lang="da-DK" smtClean="0"/>
-              <a:t>11-08-2022</a:t>
+              <a:t>24-08-2024</a:t>
             </a:fld>
             <a:endParaRPr lang="da-DK"/>
           </a:p>
@@ -2385,7 +2385,7 @@
           <a:p>
             <a:fld id="{E15B7D8E-2A20-4C0E-991C-872DBB7459A8}" type="datetimeFigureOut">
               <a:rPr lang="da-DK" smtClean="0"/>
-              <a:t>11-08-2022</a:t>
+              <a:t>24-08-2024</a:t>
             </a:fld>
             <a:endParaRPr lang="da-DK"/>
           </a:p>
@@ -2596,7 +2596,7 @@
           <a:p>
             <a:fld id="{E15B7D8E-2A20-4C0E-991C-872DBB7459A8}" type="datetimeFigureOut">
               <a:rPr lang="da-DK" smtClean="0"/>
-              <a:t>11-08-2022</a:t>
+              <a:t>24-08-2024</a:t>
             </a:fld>
             <a:endParaRPr lang="da-DK"/>
           </a:p>
@@ -3013,7 +3013,7 @@
         </p:nvSpPr>
         <p:spPr>
           <a:xfrm>
-            <a:off x="1524000" y="1122362"/>
+            <a:off x="1524000" y="1225729"/>
             <a:ext cx="9144000" cy="3144837"/>
           </a:xfrm>
         </p:spPr>
@@ -8997,47 +8997,6 @@
           </a:p>
         </p:txBody>
       </p:sp>
-      <p:pic>
-        <p:nvPicPr>
-          <p:cNvPr id="1026" name="Picture 2" descr="Billedresultat for repeat icon"/>
-          <p:cNvPicPr>
-            <a:picLocks noChangeAspect="1" noChangeArrowheads="1"/>
-          </p:cNvPicPr>
-          <p:nvPr/>
-        </p:nvPicPr>
-        <p:blipFill>
-          <a:blip r:embed="rId2">
-            <a:extLst>
-              <a:ext uri="{28A0092B-C50C-407E-A947-70E740481C1C}">
-                <a14:useLocalDpi xmlns:a14="http://schemas.microsoft.com/office/drawing/2010/main" val="0"/>
-              </a:ext>
-            </a:extLst>
-          </a:blip>
-          <a:srcRect/>
-          <a:stretch>
-            <a:fillRect/>
-          </a:stretch>
-        </p:blipFill>
-        <p:spPr bwMode="auto">
-          <a:xfrm rot="16200000">
-            <a:off x="513658" y="2143835"/>
-            <a:ext cx="1905000" cy="1905000"/>
-          </a:xfrm>
-          <a:prstGeom prst="rect">
-            <a:avLst/>
-          </a:prstGeom>
-          <a:noFill/>
-          <a:extLst>
-            <a:ext uri="{909E8E84-426E-40DD-AFC4-6F175D3DCCD1}">
-              <a14:hiddenFill xmlns:a14="http://schemas.microsoft.com/office/drawing/2010/main">
-                <a:solidFill>
-                  <a:srgbClr val="FFFFFF"/>
-                </a:solidFill>
-              </a14:hiddenFill>
-            </a:ext>
-          </a:extLst>
-        </p:spPr>
-      </p:pic>
       <p:sp>
         <p:nvSpPr>
           <p:cNvPr id="2" name="Afrundet rektangulær billedforklaring 1"/>
@@ -9082,6 +9041,106 @@
               <a:rPr lang="da-DK" sz="4800"/>
               <a:t>Iteration</a:t>
             </a:r>
+          </a:p>
+        </p:txBody>
+      </p:sp>
+      <p:sp>
+        <p:nvSpPr>
+          <p:cNvPr id="3" name="Pil: bøjet nedad 2">
+            <a:extLst>
+              <a:ext uri="{FF2B5EF4-FFF2-40B4-BE49-F238E27FC236}">
+                <a16:creationId xmlns:a16="http://schemas.microsoft.com/office/drawing/2014/main" id="{6E2ED785-E7A1-1E08-45F2-808D9E48DD64}"/>
+              </a:ext>
+            </a:extLst>
+          </p:cNvPr>
+          <p:cNvSpPr/>
+          <p:nvPr/>
+        </p:nvSpPr>
+        <p:spPr>
+          <a:xfrm>
+            <a:off x="485029" y="2166730"/>
+            <a:ext cx="1590261" cy="846814"/>
+          </a:xfrm>
+          <a:prstGeom prst="curvedDownArrow">
+            <a:avLst/>
+          </a:prstGeom>
+        </p:spPr>
+        <p:style>
+          <a:lnRef idx="2">
+            <a:schemeClr val="accent1">
+              <a:shade val="15000"/>
+            </a:schemeClr>
+          </a:lnRef>
+          <a:fillRef idx="1">
+            <a:schemeClr val="accent1"/>
+          </a:fillRef>
+          <a:effectRef idx="0">
+            <a:schemeClr val="accent1"/>
+          </a:effectRef>
+          <a:fontRef idx="minor">
+            <a:schemeClr val="lt1"/>
+          </a:fontRef>
+        </p:style>
+        <p:txBody>
+          <a:bodyPr rtlCol="0" anchor="ctr"/>
+          <a:lstStyle/>
+          <a:p>
+            <a:pPr algn="ctr"/>
+            <a:endParaRPr lang="da-DK">
+              <a:solidFill>
+                <a:schemeClr val="tx1"/>
+              </a:solidFill>
+            </a:endParaRPr>
+          </a:p>
+        </p:txBody>
+      </p:sp>
+      <p:sp>
+        <p:nvSpPr>
+          <p:cNvPr id="4" name="Pil: bøjet nedad 3">
+            <a:extLst>
+              <a:ext uri="{FF2B5EF4-FFF2-40B4-BE49-F238E27FC236}">
+                <a16:creationId xmlns:a16="http://schemas.microsoft.com/office/drawing/2014/main" id="{FCA1AA76-5808-E6AA-B250-559A9EB0400A}"/>
+              </a:ext>
+            </a:extLst>
+          </p:cNvPr>
+          <p:cNvSpPr/>
+          <p:nvPr/>
+        </p:nvSpPr>
+        <p:spPr>
+          <a:xfrm flipH="1" flipV="1">
+            <a:off x="469125" y="3138129"/>
+            <a:ext cx="1590261" cy="846813"/>
+          </a:xfrm>
+          <a:prstGeom prst="curvedDownArrow">
+            <a:avLst/>
+          </a:prstGeom>
+        </p:spPr>
+        <p:style>
+          <a:lnRef idx="2">
+            <a:schemeClr val="accent1">
+              <a:shade val="15000"/>
+            </a:schemeClr>
+          </a:lnRef>
+          <a:fillRef idx="1">
+            <a:schemeClr val="accent1"/>
+          </a:fillRef>
+          <a:effectRef idx="0">
+            <a:schemeClr val="accent1"/>
+          </a:effectRef>
+          <a:fontRef idx="minor">
+            <a:schemeClr val="lt1"/>
+          </a:fontRef>
+        </p:style>
+        <p:txBody>
+          <a:bodyPr rtlCol="0" anchor="ctr"/>
+          <a:lstStyle/>
+          <a:p>
+            <a:pPr algn="ctr"/>
+            <a:endParaRPr lang="da-DK">
+              <a:solidFill>
+                <a:schemeClr val="tx1"/>
+              </a:solidFill>
+            </a:endParaRPr>
           </a:p>
         </p:txBody>
       </p:sp>
